--- a/doc/ppt/Halbzeit_Präsi.pptx
+++ b/doc/ppt/Halbzeit_Präsi.pptx
@@ -204,7 +204,7 @@
           <a:p>
             <a:fld id="{8658982B-7BB0-4F06-B4CB-37109C9EC54C}" type="datetimeFigureOut">
               <a:rPr lang="de-DE"/>
-              <a:t>05.01.2015</a:t>
+              <a:t>07.01.2015</a:t>
             </a:fld>
             <a:endParaRPr lang="de-DE"/>
           </a:p>
@@ -1115,7 +1115,7 @@
           <a:p>
             <a:fld id="{D3EB3054-B75A-4BD7-8B3E-8DC0F614FAF3}" type="datetimeFigureOut">
               <a:rPr lang="de-DE" smtClean="0"/>
-              <a:t>05.01.2015</a:t>
+              <a:t>07.01.2015</a:t>
             </a:fld>
             <a:endParaRPr lang="de-DE"/>
           </a:p>
@@ -1285,7 +1285,7 @@
           <a:p>
             <a:fld id="{D3EB3054-B75A-4BD7-8B3E-8DC0F614FAF3}" type="datetimeFigureOut">
               <a:rPr lang="de-DE" smtClean="0"/>
-              <a:t>05.01.2015</a:t>
+              <a:t>07.01.2015</a:t>
             </a:fld>
             <a:endParaRPr lang="de-DE"/>
           </a:p>
@@ -1465,7 +1465,7 @@
           <a:p>
             <a:fld id="{D3EB3054-B75A-4BD7-8B3E-8DC0F614FAF3}" type="datetimeFigureOut">
               <a:rPr lang="de-DE" smtClean="0"/>
-              <a:t>05.01.2015</a:t>
+              <a:t>07.01.2015</a:t>
             </a:fld>
             <a:endParaRPr lang="de-DE"/>
           </a:p>
@@ -1658,7 +1658,7 @@
           <a:p>
             <a:fld id="{D3EB3054-B75A-4BD7-8B3E-8DC0F614FAF3}" type="datetimeFigureOut">
               <a:rPr lang="de-DE" smtClean="0"/>
-              <a:t>05.01.2015</a:t>
+              <a:t>07.01.2015</a:t>
             </a:fld>
             <a:endParaRPr lang="de-DE" dirty="0"/>
           </a:p>
@@ -1905,7 +1905,7 @@
           <a:p>
             <a:fld id="{D3EB3054-B75A-4BD7-8B3E-8DC0F614FAF3}" type="datetimeFigureOut">
               <a:rPr lang="de-DE" smtClean="0"/>
-              <a:t>05.01.2015</a:t>
+              <a:t>07.01.2015</a:t>
             </a:fld>
             <a:endParaRPr lang="de-DE"/>
           </a:p>
@@ -2137,7 +2137,7 @@
           <a:p>
             <a:fld id="{D3EB3054-B75A-4BD7-8B3E-8DC0F614FAF3}" type="datetimeFigureOut">
               <a:rPr lang="de-DE" smtClean="0"/>
-              <a:t>05.01.2015</a:t>
+              <a:t>07.01.2015</a:t>
             </a:fld>
             <a:endParaRPr lang="de-DE"/>
           </a:p>
@@ -2504,7 +2504,7 @@
           <a:p>
             <a:fld id="{D3EB3054-B75A-4BD7-8B3E-8DC0F614FAF3}" type="datetimeFigureOut">
               <a:rPr lang="de-DE" smtClean="0"/>
-              <a:t>05.01.2015</a:t>
+              <a:t>07.01.2015</a:t>
             </a:fld>
             <a:endParaRPr lang="de-DE"/>
           </a:p>
@@ -2622,7 +2622,7 @@
           <a:p>
             <a:fld id="{D3EB3054-B75A-4BD7-8B3E-8DC0F614FAF3}" type="datetimeFigureOut">
               <a:rPr lang="de-DE" smtClean="0"/>
-              <a:t>05.01.2015</a:t>
+              <a:t>07.01.2015</a:t>
             </a:fld>
             <a:endParaRPr lang="de-DE"/>
           </a:p>
@@ -2717,7 +2717,7 @@
           <a:p>
             <a:fld id="{D3EB3054-B75A-4BD7-8B3E-8DC0F614FAF3}" type="datetimeFigureOut">
               <a:rPr lang="de-DE" smtClean="0"/>
-              <a:t>05.01.2015</a:t>
+              <a:t>07.01.2015</a:t>
             </a:fld>
             <a:endParaRPr lang="de-DE"/>
           </a:p>
@@ -2994,7 +2994,7 @@
           <a:p>
             <a:fld id="{D3EB3054-B75A-4BD7-8B3E-8DC0F614FAF3}" type="datetimeFigureOut">
               <a:rPr lang="de-DE" smtClean="0"/>
-              <a:t>05.01.2015</a:t>
+              <a:t>07.01.2015</a:t>
             </a:fld>
             <a:endParaRPr lang="de-DE"/>
           </a:p>
@@ -3247,7 +3247,7 @@
           <a:p>
             <a:fld id="{D3EB3054-B75A-4BD7-8B3E-8DC0F614FAF3}" type="datetimeFigureOut">
               <a:rPr lang="de-DE" smtClean="0"/>
-              <a:t>05.01.2015</a:t>
+              <a:t>07.01.2015</a:t>
             </a:fld>
             <a:endParaRPr lang="de-DE"/>
           </a:p>
@@ -3460,7 +3460,7 @@
           <a:p>
             <a:fld id="{D3EB3054-B75A-4BD7-8B3E-8DC0F614FAF3}" type="datetimeFigureOut">
               <a:rPr lang="de-DE" smtClean="0"/>
-              <a:t>05.01.2015</a:t>
+              <a:t>07.01.2015</a:t>
             </a:fld>
             <a:endParaRPr lang="de-DE"/>
           </a:p>
@@ -4042,7 +4042,6 @@
               <a:rPr lang="de-DE" dirty="0" smtClean="0"/>
               <a:t>Die Herausforderung</a:t>
             </a:r>
-            <a:endParaRPr lang="de-DE" dirty="0" smtClean="0"/>
           </a:p>
           <a:p>
             <a:r>
@@ -4061,14 +4060,12 @@
               <a:rPr lang="de-DE" dirty="0" smtClean="0"/>
               <a:t>Aktueller Stand</a:t>
             </a:r>
-            <a:endParaRPr lang="de-DE" dirty="0" smtClean="0"/>
           </a:p>
           <a:p>
             <a:r>
               <a:rPr lang="de-DE" dirty="0" smtClean="0"/>
               <a:t>Weiteres Vorgehen</a:t>
             </a:r>
-            <a:endParaRPr lang="de-DE" dirty="0" smtClean="0"/>
           </a:p>
         </p:txBody>
       </p:sp>
@@ -4588,18 +4585,32 @@
           <a:p>
             <a:r>
               <a:rPr lang="de-DE" dirty="0" smtClean="0"/>
-              <a:t>Wii Controller und magnetisches Feld</a:t>
-            </a:r>
-          </a:p>
-          <a:p>
+              <a:t>Wii </a:t>
+            </a:r>
             <a:r>
               <a:rPr lang="de-DE" dirty="0" smtClean="0"/>
-              <a:t>Controller von weiterer Betrachtung ausgeschlossen aufgrund mangelnder Kriterien</a:t>
-            </a:r>
-            <a:endParaRPr lang="de-DE" sz="2400" dirty="0" smtClean="0"/>
-          </a:p>
-          <a:p>
-            <a:endParaRPr lang="de-DE" sz="2400" dirty="0"/>
+              <a:t>Controller, magnetisches Feld (Cardboard), Playstation Controller</a:t>
+            </a:r>
+            <a:endParaRPr lang="de-DE" dirty="0" smtClean="0"/>
+          </a:p>
+          <a:p>
+            <a:r>
+              <a:rPr lang="de-DE" dirty="0" smtClean="0"/>
+              <a:t>Methoden des optischen </a:t>
+            </a:r>
+            <a:r>
+              <a:rPr lang="de-DE" dirty="0" err="1" smtClean="0"/>
+              <a:t>Trackings</a:t>
+            </a:r>
+            <a:endParaRPr lang="de-DE" dirty="0"/>
+          </a:p>
+          <a:p>
+            <a:pPr lvl="1"/>
+            <a:r>
+              <a:rPr lang="de-DE" sz="2000" dirty="0" smtClean="0"/>
+              <a:t>Kinect</a:t>
+            </a:r>
+            <a:endParaRPr lang="de-DE" sz="2000" dirty="0"/>
           </a:p>
         </p:txBody>
       </p:sp>
@@ -4802,6 +4813,67 @@
                                           <p:spTgt spid="3">
                                             <p:txEl>
                                               <p:pRg st="2" end="2"/>
+                                            </p:txEl>
+                                          </p:spTgt>
+                                        </p:tgtEl>
+                                      </p:cBhvr>
+                                    </p:animEffect>
+                                  </p:childTnLst>
+                                </p:cTn>
+                              </p:par>
+                            </p:childTnLst>
+                          </p:cTn>
+                        </p:par>
+                      </p:childTnLst>
+                    </p:cTn>
+                  </p:par>
+                  <p:par>
+                    <p:cTn id="18" fill="hold">
+                      <p:stCondLst>
+                        <p:cond delay="indefinite"/>
+                      </p:stCondLst>
+                      <p:childTnLst>
+                        <p:par>
+                          <p:cTn id="19" fill="hold">
+                            <p:stCondLst>
+                              <p:cond delay="0"/>
+                            </p:stCondLst>
+                            <p:childTnLst>
+                              <p:par>
+                                <p:cTn id="20" presetID="10" presetClass="entr" presetSubtype="0" fill="hold" nodeType="clickEffect">
+                                  <p:stCondLst>
+                                    <p:cond delay="0"/>
+                                  </p:stCondLst>
+                                  <p:childTnLst>
+                                    <p:set>
+                                      <p:cBhvr>
+                                        <p:cTn id="21" dur="1" fill="hold">
+                                          <p:stCondLst>
+                                            <p:cond delay="0"/>
+                                          </p:stCondLst>
+                                        </p:cTn>
+                                        <p:tgtEl>
+                                          <p:spTgt spid="3">
+                                            <p:txEl>
+                                              <p:pRg st="3" end="3"/>
+                                            </p:txEl>
+                                          </p:spTgt>
+                                        </p:tgtEl>
+                                        <p:attrNameLst>
+                                          <p:attrName>style.visibility</p:attrName>
+                                        </p:attrNameLst>
+                                      </p:cBhvr>
+                                      <p:to>
+                                        <p:strVal val="visible"/>
+                                      </p:to>
+                                    </p:set>
+                                    <p:animEffect transition="in" filter="fade">
+                                      <p:cBhvr>
+                                        <p:cTn id="22" dur="500"/>
+                                        <p:tgtEl>
+                                          <p:spTgt spid="3">
+                                            <p:txEl>
+                                              <p:pRg st="3" end="3"/>
                                             </p:txEl>
                                           </p:spTgt>
                                         </p:tgtEl>
